--- a/images/Presentación1.pptx
+++ b/images/Presentación1.pptx
@@ -298,7 +298,7 @@
           <a:p>
             <a:fld id="{FED30C36-6AD8-477F-9DB3-777EC447921C}" type="datetimeFigureOut">
               <a:rPr lang="en-US" smtClean="0"/>
-              <a:t>24/04/2021</a:t>
+              <a:t>17/06/2021</a:t>
             </a:fld>
             <a:endParaRPr lang="en-US"/>
           </a:p>
@@ -468,7 +468,7 @@
           <a:p>
             <a:fld id="{FED30C36-6AD8-477F-9DB3-777EC447921C}" type="datetimeFigureOut">
               <a:rPr lang="en-US" smtClean="0"/>
-              <a:t>24/04/2021</a:t>
+              <a:t>17/06/2021</a:t>
             </a:fld>
             <a:endParaRPr lang="en-US"/>
           </a:p>
@@ -648,7 +648,7 @@
           <a:p>
             <a:fld id="{FED30C36-6AD8-477F-9DB3-777EC447921C}" type="datetimeFigureOut">
               <a:rPr lang="en-US" smtClean="0"/>
-              <a:t>24/04/2021</a:t>
+              <a:t>17/06/2021</a:t>
             </a:fld>
             <a:endParaRPr lang="en-US"/>
           </a:p>
@@ -818,7 +818,7 @@
           <a:p>
             <a:fld id="{FED30C36-6AD8-477F-9DB3-777EC447921C}" type="datetimeFigureOut">
               <a:rPr lang="en-US" smtClean="0"/>
-              <a:t>24/04/2021</a:t>
+              <a:t>17/06/2021</a:t>
             </a:fld>
             <a:endParaRPr lang="en-US"/>
           </a:p>
@@ -1064,7 +1064,7 @@
           <a:p>
             <a:fld id="{FED30C36-6AD8-477F-9DB3-777EC447921C}" type="datetimeFigureOut">
               <a:rPr lang="en-US" smtClean="0"/>
-              <a:t>24/04/2021</a:t>
+              <a:t>17/06/2021</a:t>
             </a:fld>
             <a:endParaRPr lang="en-US"/>
           </a:p>
@@ -1352,7 +1352,7 @@
           <a:p>
             <a:fld id="{FED30C36-6AD8-477F-9DB3-777EC447921C}" type="datetimeFigureOut">
               <a:rPr lang="en-US" smtClean="0"/>
-              <a:t>24/04/2021</a:t>
+              <a:t>17/06/2021</a:t>
             </a:fld>
             <a:endParaRPr lang="en-US"/>
           </a:p>
@@ -1774,7 +1774,7 @@
           <a:p>
             <a:fld id="{FED30C36-6AD8-477F-9DB3-777EC447921C}" type="datetimeFigureOut">
               <a:rPr lang="en-US" smtClean="0"/>
-              <a:t>24/04/2021</a:t>
+              <a:t>17/06/2021</a:t>
             </a:fld>
             <a:endParaRPr lang="en-US"/>
           </a:p>
@@ -1892,7 +1892,7 @@
           <a:p>
             <a:fld id="{FED30C36-6AD8-477F-9DB3-777EC447921C}" type="datetimeFigureOut">
               <a:rPr lang="en-US" smtClean="0"/>
-              <a:t>24/04/2021</a:t>
+              <a:t>17/06/2021</a:t>
             </a:fld>
             <a:endParaRPr lang="en-US"/>
           </a:p>
@@ -1987,7 +1987,7 @@
           <a:p>
             <a:fld id="{FED30C36-6AD8-477F-9DB3-777EC447921C}" type="datetimeFigureOut">
               <a:rPr lang="en-US" smtClean="0"/>
-              <a:t>24/04/2021</a:t>
+              <a:t>17/06/2021</a:t>
             </a:fld>
             <a:endParaRPr lang="en-US"/>
           </a:p>
@@ -2264,7 +2264,7 @@
           <a:p>
             <a:fld id="{FED30C36-6AD8-477F-9DB3-777EC447921C}" type="datetimeFigureOut">
               <a:rPr lang="en-US" smtClean="0"/>
-              <a:t>24/04/2021</a:t>
+              <a:t>17/06/2021</a:t>
             </a:fld>
             <a:endParaRPr lang="en-US"/>
           </a:p>
@@ -2517,7 +2517,7 @@
           <a:p>
             <a:fld id="{FED30C36-6AD8-477F-9DB3-777EC447921C}" type="datetimeFigureOut">
               <a:rPr lang="en-US" smtClean="0"/>
-              <a:t>24/04/2021</a:t>
+              <a:t>17/06/2021</a:t>
             </a:fld>
             <a:endParaRPr lang="en-US"/>
           </a:p>
@@ -2730,7 +2730,7 @@
           <a:p>
             <a:fld id="{FED30C36-6AD8-477F-9DB3-777EC447921C}" type="datetimeFigureOut">
               <a:rPr lang="en-US" smtClean="0"/>
-              <a:t>24/04/2021</a:t>
+              <a:t>17/06/2021</a:t>
             </a:fld>
             <a:endParaRPr lang="en-US"/>
           </a:p>
@@ -4460,7 +4460,7 @@
           <p:nvPr>
             <p:extLst>
               <p:ext uri="{D42A27DB-BD31-4B8C-83A1-F6EECF244321}">
-                <p14:modId xmlns:p14="http://schemas.microsoft.com/office/powerpoint/2010/main" val="3274163479"/>
+                <p14:modId xmlns:p14="http://schemas.microsoft.com/office/powerpoint/2010/main" val="3184755036"/>
               </p:ext>
             </p:extLst>
           </p:nvPr>
@@ -4495,7 +4495,15 @@
                             <a:schemeClr val="tx1"/>
                           </a:solidFill>
                         </a:rPr>
-                        <a:t>-4,5</a:t>
+                        <a:t>-</a:t>
+                      </a:r>
+                      <a:r>
+                        <a:rPr lang="en-US" b="1" dirty="0" smtClean="0">
+                          <a:solidFill>
+                            <a:schemeClr val="tx1"/>
+                          </a:solidFill>
+                        </a:rPr>
+                        <a:t>4.5</a:t>
                       </a:r>
                       <a:endParaRPr lang="en-US" b="1" dirty="0">
                         <a:solidFill>
@@ -4822,7 +4830,7 @@
           <p:nvPr>
             <p:extLst>
               <p:ext uri="{D42A27DB-BD31-4B8C-83A1-F6EECF244321}">
-                <p14:modId xmlns:p14="http://schemas.microsoft.com/office/powerpoint/2010/main" val="1889927310"/>
+                <p14:modId xmlns:p14="http://schemas.microsoft.com/office/powerpoint/2010/main" val="1673463260"/>
               </p:ext>
             </p:extLst>
           </p:nvPr>
@@ -4857,7 +4865,15 @@
                             <a:schemeClr val="tx1"/>
                           </a:solidFill>
                         </a:rPr>
-                        <a:t>-4,5</a:t>
+                        <a:t>-</a:t>
+                      </a:r>
+                      <a:r>
+                        <a:rPr lang="en-US" b="1" dirty="0" smtClean="0">
+                          <a:solidFill>
+                            <a:schemeClr val="tx1"/>
+                          </a:solidFill>
+                        </a:rPr>
+                        <a:t>4.5</a:t>
                       </a:r>
                       <a:endParaRPr lang="en-US" b="1" dirty="0">
                         <a:solidFill>
@@ -14838,7 +14854,7 @@
           <p:nvPr>
             <p:extLst>
               <p:ext uri="{D42A27DB-BD31-4B8C-83A1-F6EECF244321}">
-                <p14:modId xmlns:p14="http://schemas.microsoft.com/office/powerpoint/2010/main" val="1375290962"/>
+                <p14:modId xmlns:p14="http://schemas.microsoft.com/office/powerpoint/2010/main" val="3917018630"/>
               </p:ext>
             </p:extLst>
           </p:nvPr>
@@ -14871,7 +14887,15 @@
                             <a:schemeClr val="tx1"/>
                           </a:solidFill>
                         </a:rPr>
-                        <a:t>-4,5</a:t>
+                        <a:t>-</a:t>
+                      </a:r>
+                      <a:r>
+                        <a:rPr lang="en-US" b="1" dirty="0" smtClean="0">
+                          <a:solidFill>
+                            <a:schemeClr val="tx1"/>
+                          </a:solidFill>
+                        </a:rPr>
+                        <a:t>4.5</a:t>
                       </a:r>
                       <a:endParaRPr lang="en-US" b="1" dirty="0">
                         <a:solidFill>
@@ -15701,7 +15725,7 @@
           <p:nvPr>
             <p:extLst>
               <p:ext uri="{D42A27DB-BD31-4B8C-83A1-F6EECF244321}">
-                <p14:modId xmlns:p14="http://schemas.microsoft.com/office/powerpoint/2010/main" val="2795801106"/>
+                <p14:modId xmlns:p14="http://schemas.microsoft.com/office/powerpoint/2010/main" val="20854495"/>
               </p:ext>
             </p:extLst>
           </p:nvPr>
@@ -15734,7 +15758,15 @@
                             <a:schemeClr val="tx1"/>
                           </a:solidFill>
                         </a:rPr>
-                        <a:t>-4,5</a:t>
+                        <a:t>-</a:t>
+                      </a:r>
+                      <a:r>
+                        <a:rPr lang="en-US" sz="1400" b="1" dirty="0" smtClean="0">
+                          <a:solidFill>
+                            <a:schemeClr val="tx1"/>
+                          </a:solidFill>
+                        </a:rPr>
+                        <a:t>4.5</a:t>
                       </a:r>
                       <a:endParaRPr lang="en-US" sz="1400" b="1" dirty="0">
                         <a:solidFill>
